--- a/design/doc/ACTS.pptx
+++ b/design/doc/ACTS.pptx
@@ -266,7 +266,7 @@
           <a:p>
             <a:fld id="{CC1FFA56-67E1-44F5-B39E-F18DB48ED1C4}" type="datetimeFigureOut">
               <a:rPr lang="ko-KR" altLang="en-US" smtClean="0"/>
-              <a:t>2021-03-07</a:t>
+              <a:t>2021-03-09</a:t>
             </a:fld>
             <a:endParaRPr lang="ko-KR" altLang="en-US"/>
           </a:p>
@@ -464,7 +464,7 @@
           <a:p>
             <a:fld id="{CC1FFA56-67E1-44F5-B39E-F18DB48ED1C4}" type="datetimeFigureOut">
               <a:rPr lang="ko-KR" altLang="en-US" smtClean="0"/>
-              <a:t>2021-03-07</a:t>
+              <a:t>2021-03-09</a:t>
             </a:fld>
             <a:endParaRPr lang="ko-KR" altLang="en-US"/>
           </a:p>
@@ -672,7 +672,7 @@
           <a:p>
             <a:fld id="{CC1FFA56-67E1-44F5-B39E-F18DB48ED1C4}" type="datetimeFigureOut">
               <a:rPr lang="ko-KR" altLang="en-US" smtClean="0"/>
-              <a:t>2021-03-07</a:t>
+              <a:t>2021-03-09</a:t>
             </a:fld>
             <a:endParaRPr lang="ko-KR" altLang="en-US"/>
           </a:p>
@@ -870,7 +870,7 @@
           <a:p>
             <a:fld id="{CC1FFA56-67E1-44F5-B39E-F18DB48ED1C4}" type="datetimeFigureOut">
               <a:rPr lang="ko-KR" altLang="en-US" smtClean="0"/>
-              <a:t>2021-03-07</a:t>
+              <a:t>2021-03-09</a:t>
             </a:fld>
             <a:endParaRPr lang="ko-KR" altLang="en-US"/>
           </a:p>
@@ -1145,7 +1145,7 @@
           <a:p>
             <a:fld id="{CC1FFA56-67E1-44F5-B39E-F18DB48ED1C4}" type="datetimeFigureOut">
               <a:rPr lang="ko-KR" altLang="en-US" smtClean="0"/>
-              <a:t>2021-03-07</a:t>
+              <a:t>2021-03-09</a:t>
             </a:fld>
             <a:endParaRPr lang="ko-KR" altLang="en-US"/>
           </a:p>
@@ -1410,7 +1410,7 @@
           <a:p>
             <a:fld id="{CC1FFA56-67E1-44F5-B39E-F18DB48ED1C4}" type="datetimeFigureOut">
               <a:rPr lang="ko-KR" altLang="en-US" smtClean="0"/>
-              <a:t>2021-03-07</a:t>
+              <a:t>2021-03-09</a:t>
             </a:fld>
             <a:endParaRPr lang="ko-KR" altLang="en-US"/>
           </a:p>
@@ -1822,7 +1822,7 @@
           <a:p>
             <a:fld id="{CC1FFA56-67E1-44F5-B39E-F18DB48ED1C4}" type="datetimeFigureOut">
               <a:rPr lang="ko-KR" altLang="en-US" smtClean="0"/>
-              <a:t>2021-03-07</a:t>
+              <a:t>2021-03-09</a:t>
             </a:fld>
             <a:endParaRPr lang="ko-KR" altLang="en-US"/>
           </a:p>
@@ -1963,7 +1963,7 @@
           <a:p>
             <a:fld id="{CC1FFA56-67E1-44F5-B39E-F18DB48ED1C4}" type="datetimeFigureOut">
               <a:rPr lang="ko-KR" altLang="en-US" smtClean="0"/>
-              <a:t>2021-03-07</a:t>
+              <a:t>2021-03-09</a:t>
             </a:fld>
             <a:endParaRPr lang="ko-KR" altLang="en-US"/>
           </a:p>
@@ -2076,7 +2076,7 @@
           <a:p>
             <a:fld id="{CC1FFA56-67E1-44F5-B39E-F18DB48ED1C4}" type="datetimeFigureOut">
               <a:rPr lang="ko-KR" altLang="en-US" smtClean="0"/>
-              <a:t>2021-03-07</a:t>
+              <a:t>2021-03-09</a:t>
             </a:fld>
             <a:endParaRPr lang="ko-KR" altLang="en-US"/>
           </a:p>
@@ -2387,7 +2387,7 @@
           <a:p>
             <a:fld id="{CC1FFA56-67E1-44F5-B39E-F18DB48ED1C4}" type="datetimeFigureOut">
               <a:rPr lang="ko-KR" altLang="en-US" smtClean="0"/>
-              <a:t>2021-03-07</a:t>
+              <a:t>2021-03-09</a:t>
             </a:fld>
             <a:endParaRPr lang="ko-KR" altLang="en-US"/>
           </a:p>
@@ -2675,7 +2675,7 @@
           <a:p>
             <a:fld id="{CC1FFA56-67E1-44F5-B39E-F18DB48ED1C4}" type="datetimeFigureOut">
               <a:rPr lang="ko-KR" altLang="en-US" smtClean="0"/>
-              <a:t>2021-03-07</a:t>
+              <a:t>2021-03-09</a:t>
             </a:fld>
             <a:endParaRPr lang="ko-KR" altLang="en-US"/>
           </a:p>
@@ -2916,7 +2916,7 @@
           <a:p>
             <a:fld id="{CC1FFA56-67E1-44F5-B39E-F18DB48ED1C4}" type="datetimeFigureOut">
               <a:rPr lang="ko-KR" altLang="en-US" smtClean="0"/>
-              <a:t>2021-03-07</a:t>
+              <a:t>2021-03-09</a:t>
             </a:fld>
             <a:endParaRPr lang="ko-KR" altLang="en-US"/>
           </a:p>
@@ -7934,7 +7934,7 @@
         </p:blipFill>
         <p:spPr bwMode="auto">
           <a:xfrm>
-            <a:off x="478815" y="1181467"/>
+            <a:off x="395688" y="1071545"/>
             <a:ext cx="5617185" cy="3683279"/>
           </a:xfrm>
           <a:prstGeom prst="rect">
@@ -7981,7 +7981,7 @@
         </p:blipFill>
         <p:spPr bwMode="auto">
           <a:xfrm>
-            <a:off x="6374539" y="849557"/>
+            <a:off x="6374539" y="654311"/>
             <a:ext cx="4873753" cy="4100513"/>
           </a:xfrm>
           <a:prstGeom prst="rect">
@@ -8068,8 +8068,8 @@
         </p:blipFill>
         <p:spPr>
           <a:xfrm>
-            <a:off x="3062761" y="2355632"/>
-            <a:ext cx="8291039" cy="4407894"/>
+            <a:off x="7523018" y="4785944"/>
+            <a:ext cx="3725274" cy="1980525"/>
           </a:xfrm>
           <a:prstGeom prst="rect">
             <a:avLst/>
@@ -8140,13 +8140,378 @@
                   <a:schemeClr val="tx2"/>
                 </a:solidFill>
               </a:rPr>
-              <a:t>Page</a:t>
+              <a:t>Page 1</a:t>
             </a:r>
             <a:endParaRPr lang="ko-KR" altLang="en-US" sz="4700" dirty="0">
               <a:solidFill>
                 <a:schemeClr val="tx2"/>
               </a:solidFill>
             </a:endParaRPr>
+          </a:p>
+        </p:txBody>
+      </p:sp>
+      <p:sp>
+        <p:nvSpPr>
+          <p:cNvPr id="4" name="직사각형 3">
+            <a:extLst>
+              <a:ext uri="{FF2B5EF4-FFF2-40B4-BE49-F238E27FC236}">
+                <a16:creationId xmlns:a16="http://schemas.microsoft.com/office/drawing/2014/main" id="{97DA8C03-176D-4AE5-8285-D29FC2364861}"/>
+              </a:ext>
+            </a:extLst>
+          </p:cNvPr>
+          <p:cNvSpPr/>
+          <p:nvPr/>
+        </p:nvSpPr>
+        <p:spPr>
+          <a:xfrm>
+            <a:off x="2337955" y="1612107"/>
+            <a:ext cx="8792440" cy="4436270"/>
+          </a:xfrm>
+          <a:prstGeom prst="rect">
+            <a:avLst/>
+          </a:prstGeom>
+        </p:spPr>
+        <p:style>
+          <a:lnRef idx="2">
+            <a:schemeClr val="dk1"/>
+          </a:lnRef>
+          <a:fillRef idx="1">
+            <a:schemeClr val="lt1"/>
+          </a:fillRef>
+          <a:effectRef idx="0">
+            <a:schemeClr val="dk1"/>
+          </a:effectRef>
+          <a:fontRef idx="minor">
+            <a:schemeClr val="dk1"/>
+          </a:fontRef>
+        </p:style>
+        <p:txBody>
+          <a:bodyPr rtlCol="0" anchor="ctr"/>
+          <a:lstStyle/>
+          <a:p>
+            <a:pPr algn="ctr"/>
+            <a:endParaRPr lang="ko-KR" altLang="en-US">
+              <a:latin typeface="+mj-lt"/>
+            </a:endParaRPr>
+          </a:p>
+        </p:txBody>
+      </p:sp>
+      <p:sp>
+        <p:nvSpPr>
+          <p:cNvPr id="5" name="직사각형 4">
+            <a:extLst>
+              <a:ext uri="{FF2B5EF4-FFF2-40B4-BE49-F238E27FC236}">
+                <a16:creationId xmlns:a16="http://schemas.microsoft.com/office/drawing/2014/main" id="{785B87F6-9A19-4AB6-BF92-75ED674EFFA7}"/>
+              </a:ext>
+            </a:extLst>
+          </p:cNvPr>
+          <p:cNvSpPr/>
+          <p:nvPr/>
+        </p:nvSpPr>
+        <p:spPr>
+          <a:xfrm>
+            <a:off x="838200" y="1679827"/>
+            <a:ext cx="1288473" cy="4361440"/>
+          </a:xfrm>
+          <a:prstGeom prst="rect">
+            <a:avLst/>
+          </a:prstGeom>
+        </p:spPr>
+        <p:style>
+          <a:lnRef idx="2">
+            <a:schemeClr val="dk1"/>
+          </a:lnRef>
+          <a:fillRef idx="1">
+            <a:schemeClr val="lt1"/>
+          </a:fillRef>
+          <a:effectRef idx="0">
+            <a:schemeClr val="dk1"/>
+          </a:effectRef>
+          <a:fontRef idx="minor">
+            <a:schemeClr val="dk1"/>
+          </a:fontRef>
+        </p:style>
+        <p:txBody>
+          <a:bodyPr rtlCol="0" anchor="ctr"/>
+          <a:lstStyle/>
+          <a:p>
+            <a:pPr algn="ctr"/>
+            <a:r>
+              <a:rPr lang="en-US" altLang="ko-KR" dirty="0">
+                <a:latin typeface="+mj-lt"/>
+              </a:rPr>
+              <a:t>Side bar</a:t>
+            </a:r>
+            <a:endParaRPr lang="ko-KR" altLang="en-US" dirty="0">
+              <a:latin typeface="+mj-lt"/>
+            </a:endParaRPr>
+          </a:p>
+        </p:txBody>
+      </p:sp>
+      <p:sp>
+        <p:nvSpPr>
+          <p:cNvPr id="6" name="직사각형 5">
+            <a:extLst>
+              <a:ext uri="{FF2B5EF4-FFF2-40B4-BE49-F238E27FC236}">
+                <a16:creationId xmlns:a16="http://schemas.microsoft.com/office/drawing/2014/main" id="{FBDBF8E2-705A-4457-95CB-33EC00D4A365}"/>
+              </a:ext>
+            </a:extLst>
+          </p:cNvPr>
+          <p:cNvSpPr/>
+          <p:nvPr/>
+        </p:nvSpPr>
+        <p:spPr>
+          <a:xfrm>
+            <a:off x="838199" y="1136036"/>
+            <a:ext cx="10292196" cy="391428"/>
+          </a:xfrm>
+          <a:prstGeom prst="rect">
+            <a:avLst/>
+          </a:prstGeom>
+        </p:spPr>
+        <p:style>
+          <a:lnRef idx="2">
+            <a:schemeClr val="dk1"/>
+          </a:lnRef>
+          <a:fillRef idx="1">
+            <a:schemeClr val="lt1"/>
+          </a:fillRef>
+          <a:effectRef idx="0">
+            <a:schemeClr val="dk1"/>
+          </a:effectRef>
+          <a:fontRef idx="minor">
+            <a:schemeClr val="dk1"/>
+          </a:fontRef>
+        </p:style>
+        <p:txBody>
+          <a:bodyPr rtlCol="0" anchor="ctr"/>
+          <a:lstStyle/>
+          <a:p>
+            <a:pPr algn="ctr"/>
+            <a:r>
+              <a:rPr lang="en-US" altLang="ko-KR" dirty="0">
+                <a:latin typeface="+mj-lt"/>
+              </a:rPr>
+              <a:t>Top Bar</a:t>
+            </a:r>
+            <a:endParaRPr lang="ko-KR" altLang="en-US" dirty="0">
+              <a:latin typeface="+mj-lt"/>
+            </a:endParaRPr>
+          </a:p>
+        </p:txBody>
+      </p:sp>
+      <p:sp>
+        <p:nvSpPr>
+          <p:cNvPr id="7" name="직사각형 6">
+            <a:extLst>
+              <a:ext uri="{FF2B5EF4-FFF2-40B4-BE49-F238E27FC236}">
+                <a16:creationId xmlns:a16="http://schemas.microsoft.com/office/drawing/2014/main" id="{AE34E0A5-F7CC-476D-85B6-2BEBDC99A37D}"/>
+              </a:ext>
+            </a:extLst>
+          </p:cNvPr>
+          <p:cNvSpPr/>
+          <p:nvPr/>
+        </p:nvSpPr>
+        <p:spPr>
+          <a:xfrm>
+            <a:off x="2857042" y="2052341"/>
+            <a:ext cx="2629358" cy="1175601"/>
+          </a:xfrm>
+          <a:prstGeom prst="rect">
+            <a:avLst/>
+          </a:prstGeom>
+        </p:spPr>
+        <p:style>
+          <a:lnRef idx="2">
+            <a:schemeClr val="dk1"/>
+          </a:lnRef>
+          <a:fillRef idx="1">
+            <a:schemeClr val="lt1"/>
+          </a:fillRef>
+          <a:effectRef idx="0">
+            <a:schemeClr val="dk1"/>
+          </a:effectRef>
+          <a:fontRef idx="minor">
+            <a:schemeClr val="dk1"/>
+          </a:fontRef>
+        </p:style>
+        <p:txBody>
+          <a:bodyPr rtlCol="0" anchor="ctr"/>
+          <a:lstStyle/>
+          <a:p>
+            <a:pPr algn="ctr"/>
+            <a:r>
+              <a:rPr lang="en-US" altLang="ko-KR" dirty="0"/>
+              <a:t>Map</a:t>
+            </a:r>
+          </a:p>
+          <a:p>
+            <a:pPr marL="285750" indent="-285750">
+              <a:buFontTx/>
+              <a:buChar char="-"/>
+            </a:pPr>
+            <a:r>
+              <a:rPr lang="en-US" altLang="ko-KR" dirty="0"/>
+              <a:t>Robots</a:t>
+            </a:r>
+          </a:p>
+          <a:p>
+            <a:pPr marL="285750" indent="-285750">
+              <a:buFontTx/>
+              <a:buChar char="-"/>
+            </a:pPr>
+            <a:r>
+              <a:rPr lang="en-US" altLang="ko-KR" dirty="0"/>
+              <a:t>Carts</a:t>
+            </a:r>
+            <a:endParaRPr lang="ko-KR" altLang="en-US" dirty="0"/>
+          </a:p>
+        </p:txBody>
+      </p:sp>
+      <p:sp>
+        <p:nvSpPr>
+          <p:cNvPr id="8" name="직사각형 7">
+            <a:extLst>
+              <a:ext uri="{FF2B5EF4-FFF2-40B4-BE49-F238E27FC236}">
+                <a16:creationId xmlns:a16="http://schemas.microsoft.com/office/drawing/2014/main" id="{B9C6D43F-6557-4B1A-BE4D-B7242BD9C466}"/>
+              </a:ext>
+            </a:extLst>
+          </p:cNvPr>
+          <p:cNvSpPr/>
+          <p:nvPr/>
+        </p:nvSpPr>
+        <p:spPr>
+          <a:xfrm>
+            <a:off x="2857041" y="3477710"/>
+            <a:ext cx="6881869" cy="1175601"/>
+          </a:xfrm>
+          <a:prstGeom prst="rect">
+            <a:avLst/>
+          </a:prstGeom>
+        </p:spPr>
+        <p:style>
+          <a:lnRef idx="2">
+            <a:schemeClr val="dk1"/>
+          </a:lnRef>
+          <a:fillRef idx="1">
+            <a:schemeClr val="lt1"/>
+          </a:fillRef>
+          <a:effectRef idx="0">
+            <a:schemeClr val="dk1"/>
+          </a:effectRef>
+          <a:fontRef idx="minor">
+            <a:schemeClr val="dk1"/>
+          </a:fontRef>
+        </p:style>
+        <p:txBody>
+          <a:bodyPr rtlCol="0" anchor="ctr"/>
+          <a:lstStyle/>
+          <a:p>
+            <a:r>
+              <a:rPr lang="en-US" altLang="ko-KR"/>
+              <a:t>latest </a:t>
+            </a:r>
+            <a:r>
+              <a:rPr lang="en-US" altLang="ko-KR" dirty="0"/>
+              <a:t>Jobs</a:t>
+            </a:r>
+            <a:endParaRPr lang="ko-KR" altLang="en-US" dirty="0"/>
+          </a:p>
+        </p:txBody>
+      </p:sp>
+      <p:sp>
+        <p:nvSpPr>
+          <p:cNvPr id="9" name="직사각형 8">
+            <a:extLst>
+              <a:ext uri="{FF2B5EF4-FFF2-40B4-BE49-F238E27FC236}">
+                <a16:creationId xmlns:a16="http://schemas.microsoft.com/office/drawing/2014/main" id="{44008FC8-3060-4E59-8B49-11AA54721E79}"/>
+              </a:ext>
+            </a:extLst>
+          </p:cNvPr>
+          <p:cNvSpPr/>
+          <p:nvPr/>
+        </p:nvSpPr>
+        <p:spPr>
+          <a:xfrm>
+            <a:off x="5798545" y="2052341"/>
+            <a:ext cx="1692925" cy="1175601"/>
+          </a:xfrm>
+          <a:prstGeom prst="rect">
+            <a:avLst/>
+          </a:prstGeom>
+        </p:spPr>
+        <p:style>
+          <a:lnRef idx="2">
+            <a:schemeClr val="dk1"/>
+          </a:lnRef>
+          <a:fillRef idx="1">
+            <a:schemeClr val="lt1"/>
+          </a:fillRef>
+          <a:effectRef idx="0">
+            <a:schemeClr val="dk1"/>
+          </a:effectRef>
+          <a:fontRef idx="minor">
+            <a:schemeClr val="dk1"/>
+          </a:fontRef>
+        </p:style>
+        <p:txBody>
+          <a:bodyPr rtlCol="0" anchor="ctr"/>
+          <a:lstStyle/>
+          <a:p>
+            <a:pPr algn="ctr"/>
+            <a:r>
+              <a:rPr lang="en-US" altLang="ko-KR" dirty="0"/>
+              <a:t>robots</a:t>
+            </a:r>
+            <a:endParaRPr lang="ko-KR" altLang="en-US" dirty="0"/>
+          </a:p>
+        </p:txBody>
+      </p:sp>
+      <p:sp>
+        <p:nvSpPr>
+          <p:cNvPr id="10" name="직사각형 9">
+            <a:extLst>
+              <a:ext uri="{FF2B5EF4-FFF2-40B4-BE49-F238E27FC236}">
+                <a16:creationId xmlns:a16="http://schemas.microsoft.com/office/drawing/2014/main" id="{24097F9D-2DE4-4255-A736-36E12639150D}"/>
+              </a:ext>
+            </a:extLst>
+          </p:cNvPr>
+          <p:cNvSpPr/>
+          <p:nvPr/>
+        </p:nvSpPr>
+        <p:spPr>
+          <a:xfrm>
+            <a:off x="7803615" y="2052341"/>
+            <a:ext cx="1692925" cy="1175601"/>
+          </a:xfrm>
+          <a:prstGeom prst="rect">
+            <a:avLst/>
+          </a:prstGeom>
+        </p:spPr>
+        <p:style>
+          <a:lnRef idx="2">
+            <a:schemeClr val="dk1"/>
+          </a:lnRef>
+          <a:fillRef idx="1">
+            <a:schemeClr val="lt1"/>
+          </a:fillRef>
+          <a:effectRef idx="0">
+            <a:schemeClr val="dk1"/>
+          </a:effectRef>
+          <a:fontRef idx="minor">
+            <a:schemeClr val="dk1"/>
+          </a:fontRef>
+        </p:style>
+        <p:txBody>
+          <a:bodyPr rtlCol="0" anchor="ctr"/>
+          <a:lstStyle/>
+          <a:p>
+            <a:pPr algn="ctr"/>
+            <a:r>
+              <a:rPr lang="en-US" altLang="ko-KR" dirty="0"/>
+              <a:t>carts</a:t>
+            </a:r>
+            <a:endParaRPr lang="ko-KR" altLang="en-US" dirty="0"/>
           </a:p>
         </p:txBody>
       </p:sp>
@@ -8214,7 +8579,7 @@
                   <a:schemeClr val="tx2"/>
                 </a:solidFill>
               </a:rPr>
-              <a:t>Page</a:t>
+              <a:t>Page 2</a:t>
             </a:r>
             <a:endParaRPr lang="ko-KR" altLang="en-US" sz="4700" dirty="0">
               <a:solidFill>
@@ -8572,7 +8937,7 @@
         </p:blipFill>
         <p:spPr bwMode="auto">
           <a:xfrm>
-            <a:off x="277932" y="1296799"/>
+            <a:off x="169075" y="913114"/>
             <a:ext cx="7775950" cy="5031772"/>
           </a:xfrm>
           <a:prstGeom prst="rect">
@@ -8619,8 +8984,8 @@
         </p:blipFill>
         <p:spPr bwMode="auto">
           <a:xfrm>
-            <a:off x="4866090" y="2330250"/>
-            <a:ext cx="7325910" cy="4740553"/>
+            <a:off x="5931672" y="3019782"/>
+            <a:ext cx="6260327" cy="4051021"/>
           </a:xfrm>
           <a:prstGeom prst="rect">
             <a:avLst/>
